--- a/Slides/04 - Tecnicas para a criacao de jogos.pptx
+++ b/Slides/04 - Tecnicas para a criacao de jogos.pptx
@@ -352,7 +352,7 @@
             <a:fld id="{B61BEF0D-F0BB-DE4B-95CE-6DB70DBA9567}" type="datetimeFigureOut">
               <a:rPr lang="en-US" dirty="0"/>
               <a:pPr/>
-              <a:t>2/10/2023</a:t>
+              <a:t>2/15/2023</a:t>
             </a:fld>
             <a:endParaRPr lang="en-US" dirty="0"/>
           </a:p>
@@ -790,7 +790,7 @@
             <a:fld id="{B61BEF0D-F0BB-DE4B-95CE-6DB70DBA9567}" type="datetimeFigureOut">
               <a:rPr lang="en-US" dirty="0"/>
               <a:pPr/>
-              <a:t>2/10/2023</a:t>
+              <a:t>2/15/2023</a:t>
             </a:fld>
             <a:endParaRPr lang="en-US" dirty="0"/>
           </a:p>
@@ -1042,7 +1042,7 @@
             <a:fld id="{B61BEF0D-F0BB-DE4B-95CE-6DB70DBA9567}" type="datetimeFigureOut">
               <a:rPr lang="en-US" dirty="0"/>
               <a:pPr/>
-              <a:t>2/10/2023</a:t>
+              <a:t>2/15/2023</a:t>
             </a:fld>
             <a:endParaRPr lang="en-US" dirty="0"/>
           </a:p>
@@ -1352,7 +1352,7 @@
             <a:fld id="{B61BEF0D-F0BB-DE4B-95CE-6DB70DBA9567}" type="datetimeFigureOut">
               <a:rPr lang="en-US" dirty="0"/>
               <a:pPr/>
-              <a:t>2/10/2023</a:t>
+              <a:t>2/15/2023</a:t>
             </a:fld>
             <a:endParaRPr lang="en-US" dirty="0"/>
           </a:p>
@@ -1672,7 +1672,7 @@
             <a:fld id="{B61BEF0D-F0BB-DE4B-95CE-6DB70DBA9567}" type="datetimeFigureOut">
               <a:rPr lang="en-US" dirty="0"/>
               <a:pPr/>
-              <a:t>2/10/2023</a:t>
+              <a:t>2/15/2023</a:t>
             </a:fld>
             <a:endParaRPr lang="en-US" dirty="0"/>
           </a:p>
@@ -1976,7 +1976,7 @@
             <a:fld id="{B61BEF0D-F0BB-DE4B-95CE-6DB70DBA9567}" type="datetimeFigureOut">
               <a:rPr lang="en-US" dirty="0"/>
               <a:pPr/>
-              <a:t>2/10/2023</a:t>
+              <a:t>2/15/2023</a:t>
             </a:fld>
             <a:endParaRPr lang="en-US" dirty="0"/>
           </a:p>
@@ -2345,7 +2345,7 @@
             <a:fld id="{B61BEF0D-F0BB-DE4B-95CE-6DB70DBA9567}" type="datetimeFigureOut">
               <a:rPr lang="en-US" dirty="0"/>
               <a:pPr/>
-              <a:t>2/10/2023</a:t>
+              <a:t>2/15/2023</a:t>
             </a:fld>
             <a:endParaRPr lang="en-US" dirty="0"/>
           </a:p>
@@ -2521,7 +2521,7 @@
             <a:fld id="{B61BEF0D-F0BB-DE4B-95CE-6DB70DBA9567}" type="datetimeFigureOut">
               <a:rPr lang="en-US" dirty="0"/>
               <a:pPr/>
-              <a:t>2/10/2023</a:t>
+              <a:t>2/15/2023</a:t>
             </a:fld>
             <a:endParaRPr lang="en-US" dirty="0"/>
           </a:p>
@@ -2703,7 +2703,7 @@
             <a:fld id="{B61BEF0D-F0BB-DE4B-95CE-6DB70DBA9567}" type="datetimeFigureOut">
               <a:rPr lang="en-US" dirty="0"/>
               <a:pPr/>
-              <a:t>2/10/2023</a:t>
+              <a:t>2/15/2023</a:t>
             </a:fld>
             <a:endParaRPr lang="en-US" dirty="0"/>
           </a:p>
@@ -2957,7 +2957,7 @@
             <a:fld id="{B61BEF0D-F0BB-DE4B-95CE-6DB70DBA9567}" type="datetimeFigureOut">
               <a:rPr lang="en-US" dirty="0"/>
               <a:pPr/>
-              <a:t>2/10/2023</a:t>
+              <a:t>2/15/2023</a:t>
             </a:fld>
             <a:endParaRPr lang="en-US" dirty="0"/>
           </a:p>
@@ -3209,7 +3209,7 @@
             <a:fld id="{B61BEF0D-F0BB-DE4B-95CE-6DB70DBA9567}" type="datetimeFigureOut">
               <a:rPr lang="en-US" dirty="0"/>
               <a:pPr/>
-              <a:t>2/10/2023</a:t>
+              <a:t>2/15/2023</a:t>
             </a:fld>
             <a:endParaRPr lang="en-US" dirty="0"/>
           </a:p>
@@ -3447,7 +3447,7 @@
             <a:fld id="{B61BEF0D-F0BB-DE4B-95CE-6DB70DBA9567}" type="datetimeFigureOut">
               <a:rPr lang="en-US" dirty="0"/>
               <a:pPr/>
-              <a:t>2/10/2023</a:t>
+              <a:t>2/15/2023</a:t>
             </a:fld>
             <a:endParaRPr lang="en-US" dirty="0"/>
           </a:p>
@@ -3831,7 +3831,7 @@
             <a:fld id="{B61BEF0D-F0BB-DE4B-95CE-6DB70DBA9567}" type="datetimeFigureOut">
               <a:rPr lang="en-US" dirty="0"/>
               <a:pPr/>
-              <a:t>2/10/2023</a:t>
+              <a:t>2/15/2023</a:t>
             </a:fld>
             <a:endParaRPr lang="en-US" dirty="0"/>
           </a:p>
@@ -3951,7 +3951,7 @@
             <a:fld id="{B61BEF0D-F0BB-DE4B-95CE-6DB70DBA9567}" type="datetimeFigureOut">
               <a:rPr lang="en-US" dirty="0"/>
               <a:pPr/>
-              <a:t>2/10/2023</a:t>
+              <a:t>2/15/2023</a:t>
             </a:fld>
             <a:endParaRPr lang="en-US" dirty="0"/>
           </a:p>
@@ -4048,7 +4048,7 @@
             <a:fld id="{B61BEF0D-F0BB-DE4B-95CE-6DB70DBA9567}" type="datetimeFigureOut">
               <a:rPr lang="en-US" dirty="0"/>
               <a:pPr/>
-              <a:t>2/10/2023</a:t>
+              <a:t>2/15/2023</a:t>
             </a:fld>
             <a:endParaRPr lang="en-US" dirty="0"/>
           </a:p>
@@ -4305,7 +4305,7 @@
             <a:fld id="{B61BEF0D-F0BB-DE4B-95CE-6DB70DBA9567}" type="datetimeFigureOut">
               <a:rPr lang="en-US" dirty="0"/>
               <a:pPr/>
-              <a:t>2/10/2023</a:t>
+              <a:t>2/15/2023</a:t>
             </a:fld>
             <a:endParaRPr lang="en-US" dirty="0"/>
           </a:p>
@@ -4590,7 +4590,7 @@
             <a:fld id="{B61BEF0D-F0BB-DE4B-95CE-6DB70DBA9567}" type="datetimeFigureOut">
               <a:rPr lang="en-US" dirty="0"/>
               <a:pPr/>
-              <a:t>2/10/2023</a:t>
+              <a:t>2/15/2023</a:t>
             </a:fld>
             <a:endParaRPr lang="en-US" dirty="0"/>
           </a:p>
@@ -4998,7 +4998,7 @@
             <a:fld id="{B61BEF0D-F0BB-DE4B-95CE-6DB70DBA9567}" type="datetimeFigureOut">
               <a:rPr lang="en-US" dirty="0"/>
               <a:pPr/>
-              <a:t>2/10/2023</a:t>
+              <a:t>2/15/2023</a:t>
             </a:fld>
             <a:endParaRPr lang="en-US" dirty="0"/>
           </a:p>
@@ -6163,11 +6163,10 @@
                 <a:schemeClr val="tx1"/>
               </a:buClr>
               <a:buSzPct val="80000"/>
-              <a:buFont typeface="Wingdings 3" panose="05040102010807070707" pitchFamily="18" charset="2"/>
-              <a:buChar char=""/>
+              <a:buNone/>
             </a:pPr>
             <a:r>
-              <a:rPr lang="en-US" sz="2500">
+              <a:rPr lang="en-US" sz="2500" dirty="0">
                 <a:solidFill>
                   <a:schemeClr val="bg2">
                     <a:lumMod val="75000"/>
@@ -6175,6 +6174,31 @@
                 </a:solidFill>
               </a:rPr>
               <a:t>Danilo Filitto</a:t>
+            </a:r>
+          </a:p>
+          <a:p>
+            <a:pPr marL="0" indent="0">
+              <a:lnSpc>
+                <a:spcPct val="90000"/>
+              </a:lnSpc>
+              <a:spcAft>
+                <a:spcPts val="600"/>
+              </a:spcAft>
+              <a:buClr>
+                <a:schemeClr val="tx1"/>
+              </a:buClr>
+              <a:buSzPct val="80000"/>
+              <a:buNone/>
+            </a:pPr>
+            <a:r>
+              <a:rPr lang="en-US" sz="2500" dirty="0">
+                <a:solidFill>
+                  <a:schemeClr val="bg2">
+                    <a:lumMod val="75000"/>
+                  </a:schemeClr>
+                </a:solidFill>
+              </a:rPr>
+              <a:t>01/02/2017</a:t>
             </a:r>
           </a:p>
           <a:p>
@@ -6192,16 +6216,13 @@
               <a:buFont typeface="Wingdings 3" panose="05040102010807070707" pitchFamily="18" charset="2"/>
               <a:buChar char=""/>
             </a:pPr>
-            <a:r>
-              <a:rPr lang="en-US" sz="2500">
-                <a:solidFill>
-                  <a:schemeClr val="bg2">
-                    <a:lumMod val="75000"/>
-                  </a:schemeClr>
-                </a:solidFill>
-              </a:rPr>
-              <a:t>01/02/2017</a:t>
-            </a:r>
+            <a:endParaRPr lang="en-US" sz="2500" dirty="0">
+              <a:solidFill>
+                <a:schemeClr val="bg2">
+                  <a:lumMod val="75000"/>
+                </a:schemeClr>
+              </a:solidFill>
+            </a:endParaRPr>
           </a:p>
           <a:p>
             <a:pPr marL="0" indent="0">
@@ -6215,33 +6236,9 @@
                 <a:schemeClr val="tx1"/>
               </a:buClr>
               <a:buSzPct val="80000"/>
-              <a:buFont typeface="Wingdings 3" panose="05040102010807070707" pitchFamily="18" charset="2"/>
-              <a:buChar char=""/>
+              <a:buNone/>
             </a:pPr>
-            <a:endParaRPr lang="en-US" sz="2500">
-              <a:solidFill>
-                <a:schemeClr val="bg2">
-                  <a:lumMod val="75000"/>
-                </a:schemeClr>
-              </a:solidFill>
-            </a:endParaRPr>
-          </a:p>
-          <a:p>
-            <a:pPr>
-              <a:lnSpc>
-                <a:spcPct val="90000"/>
-              </a:lnSpc>
-              <a:spcAft>
-                <a:spcPts val="600"/>
-              </a:spcAft>
-              <a:buClr>
-                <a:schemeClr val="tx1"/>
-              </a:buClr>
-              <a:buSzPct val="80000"/>
-              <a:buFont typeface="Wingdings 3" panose="05040102010807070707" pitchFamily="18" charset="2"/>
-              <a:buChar char=""/>
-            </a:pPr>
-            <a:endParaRPr lang="en-US" sz="2500">
+            <a:endParaRPr lang="en-US" sz="1600" dirty="0">
               <a:solidFill>
                 <a:schemeClr val="bg2">
                   <a:lumMod val="75000"/>
@@ -6261,11 +6258,10 @@
                 <a:schemeClr val="tx1"/>
               </a:buClr>
               <a:buSzPct val="80000"/>
-              <a:buFont typeface="Wingdings 3" panose="05040102010807070707" pitchFamily="18" charset="2"/>
-              <a:buChar char=""/>
+              <a:buNone/>
             </a:pPr>
             <a:r>
-              <a:rPr lang="en-US" sz="2500">
+              <a:rPr lang="en-US" sz="1600" dirty="0">
                 <a:solidFill>
                   <a:schemeClr val="bg2">
                     <a:lumMod val="75000"/>
@@ -6275,7 +6271,7 @@
               </a:rPr>
               <a:t>Danilo.Filitto@gmail.com</a:t>
             </a:r>
-            <a:endParaRPr lang="en-US" sz="2500">
+            <a:endParaRPr lang="en-US" sz="1600" dirty="0">
               <a:solidFill>
                 <a:schemeClr val="bg2">
                   <a:lumMod val="75000"/>
@@ -6295,11 +6291,10 @@
                 <a:schemeClr val="tx1"/>
               </a:buClr>
               <a:buSzPct val="80000"/>
-              <a:buFont typeface="Wingdings 3" panose="05040102010807070707" pitchFamily="18" charset="2"/>
-              <a:buChar char=""/>
+              <a:buNone/>
             </a:pPr>
             <a:r>
-              <a:rPr lang="en-US" sz="2500">
+              <a:rPr lang="en-US" sz="1600" dirty="0">
                 <a:solidFill>
                   <a:schemeClr val="bg2">
                     <a:lumMod val="75000"/>
@@ -6309,7 +6304,7 @@
               </a:rPr>
               <a:t>www.dfilitto.com.br</a:t>
             </a:r>
-            <a:endParaRPr lang="en-US" sz="2500">
+            <a:endParaRPr lang="en-US" sz="1600" dirty="0">
               <a:solidFill>
                 <a:schemeClr val="bg2">
                   <a:lumMod val="75000"/>
@@ -6329,11 +6324,10 @@
                 <a:schemeClr val="tx1"/>
               </a:buClr>
               <a:buSzPct val="80000"/>
-              <a:buFont typeface="Wingdings 3" panose="05040102010807070707" pitchFamily="18" charset="2"/>
-              <a:buChar char=""/>
+              <a:buNone/>
             </a:pPr>
             <a:r>
-              <a:rPr lang="en-US" sz="2500">
+              <a:rPr lang="en-US" sz="1600" dirty="0">
                 <a:solidFill>
                   <a:schemeClr val="bg2">
                     <a:lumMod val="75000"/>
@@ -6343,7 +6337,7 @@
               </a:rPr>
               <a:t>www.makeindiegames.com.br</a:t>
             </a:r>
-            <a:endParaRPr lang="en-US" sz="2500">
+            <a:endParaRPr lang="en-US" sz="1600" dirty="0">
               <a:solidFill>
                 <a:schemeClr val="bg2">
                   <a:lumMod val="75000"/>
@@ -6842,57 +6836,46 @@
         </p:nvSpPr>
         <p:spPr>
           <a:xfrm>
-            <a:off x="3884612" y="685800"/>
-            <a:ext cx="6626072" cy="3615267"/>
+            <a:off x="3884611" y="685800"/>
+            <a:ext cx="7777505" cy="3615267"/>
           </a:xfrm>
         </p:spPr>
         <p:txBody>
           <a:bodyPr>
-            <a:normAutofit/>
+            <a:noAutofit/>
           </a:bodyPr>
           <a:lstStyle/>
           <a:p>
             <a:pPr fontAlgn="base"/>
             <a:r>
-              <a:rPr lang="pt-BR" dirty="0"/>
+              <a:rPr lang="pt-BR" sz="2400" dirty="0"/>
               <a:t>O ideal é montar equipes de no mínimo 4 pessoas para participar do Brainstorming. </a:t>
             </a:r>
-            <a:endParaRPr lang="pt-BR"/>
           </a:p>
           <a:p>
             <a:pPr fontAlgn="base"/>
             <a:r>
-              <a:rPr lang="pt-BR" dirty="0"/>
+              <a:rPr lang="pt-BR" sz="2400" dirty="0"/>
               <a:t>O tempo da atividade deverá ser de 15 minutos a no máximo 1 hora para que o Brainstorming não se torne improdutivo.</a:t>
             </a:r>
-            <a:endParaRPr lang="pt-BR"/>
           </a:p>
           <a:p>
             <a:pPr fontAlgn="base"/>
             <a:r>
-              <a:rPr lang="pt-BR" dirty="0"/>
+              <a:rPr lang="pt-BR" sz="2400" dirty="0"/>
               <a:t>Defina etapas para a realização do Brainstorming, como por exemplo:</a:t>
             </a:r>
-            <a:endParaRPr lang="pt-BR"/>
           </a:p>
           <a:p>
             <a:pPr lvl="1" fontAlgn="base"/>
             <a:r>
-              <a:rPr lang="pt-BR" b="1" dirty="0"/>
+              <a:rPr lang="pt-BR" sz="2400" b="1" dirty="0"/>
               <a:t>Definição do tema:</a:t>
             </a:r>
             <a:r>
-              <a:rPr lang="pt-BR" dirty="0"/>
+              <a:rPr lang="pt-BR" sz="2400" dirty="0"/>
               <a:t> qual será o ponto de partida? </a:t>
             </a:r>
-            <a:endParaRPr lang="pt-BR"/>
-          </a:p>
-          <a:p>
-            <a:pPr fontAlgn="base"/>
-            <a:endParaRPr lang="pt-BR" dirty="0"/>
-          </a:p>
-          <a:p>
-            <a:endParaRPr lang="pt-BR" dirty="0"/>
           </a:p>
         </p:txBody>
       </p:sp>
@@ -7385,13 +7368,13 @@
         </p:nvSpPr>
         <p:spPr>
           <a:xfrm>
-            <a:off x="3884612" y="685800"/>
-            <a:ext cx="6626072" cy="3615267"/>
+            <a:off x="4031873" y="914399"/>
+            <a:ext cx="7461432" cy="3615267"/>
           </a:xfrm>
         </p:spPr>
         <p:txBody>
           <a:bodyPr>
-            <a:normAutofit/>
+            <a:noAutofit/>
           </a:bodyPr>
           <a:lstStyle/>
           <a:p>
@@ -7401,10 +7384,9 @@
               </a:lnSpc>
             </a:pPr>
             <a:r>
-              <a:rPr lang="pt-BR" dirty="0"/>
+              <a:rPr lang="pt-BR" sz="2200" dirty="0"/>
               <a:t>Defina etapas para a realização do Brainstorming, como por exemplo:</a:t>
             </a:r>
-            <a:endParaRPr lang="pt-BR"/>
           </a:p>
           <a:p>
             <a:pPr lvl="1" fontAlgn="base">
@@ -7413,14 +7395,13 @@
               </a:lnSpc>
             </a:pPr>
             <a:r>
-              <a:rPr lang="pt-BR" b="1" dirty="0"/>
+              <a:rPr lang="pt-BR" sz="2200" b="1" dirty="0"/>
               <a:t>Levantamento de ideias:</a:t>
             </a:r>
             <a:r>
-              <a:rPr lang="pt-BR" dirty="0"/>
+              <a:rPr lang="pt-BR" sz="2200" dirty="0"/>
               <a:t> todos participam, dizendo ideias sobre o que remete aquele tema/foco escolhido. </a:t>
             </a:r>
-            <a:endParaRPr lang="pt-BR"/>
           </a:p>
           <a:p>
             <a:pPr lvl="1" fontAlgn="base">
@@ -7429,10 +7410,9 @@
               </a:lnSpc>
             </a:pPr>
             <a:r>
-              <a:rPr lang="pt-BR" dirty="0"/>
+              <a:rPr lang="pt-BR" sz="2200" dirty="0"/>
               <a:t>Nesse momento não se preocupe se a ideia é boa ou ruim, pois, se ficarmos julgando já de imediato a ideia, não teremos nada. </a:t>
             </a:r>
-            <a:endParaRPr lang="pt-BR"/>
           </a:p>
           <a:p>
             <a:pPr lvl="1" fontAlgn="base">
@@ -7441,10 +7421,9 @@
               </a:lnSpc>
             </a:pPr>
             <a:r>
-              <a:rPr lang="pt-BR" dirty="0"/>
+              <a:rPr lang="pt-BR" sz="2200" dirty="0"/>
               <a:t>O objetivo nesse momento é levantar todas as ideias sem julgar, afinal livrando-se de tanta ideia ruim, logo vem uma boa;</a:t>
             </a:r>
-            <a:endParaRPr lang="pt-BR"/>
           </a:p>
           <a:p>
             <a:pPr fontAlgn="base">
@@ -7452,7 +7431,7 @@
                 <a:spcPct val="90000"/>
               </a:lnSpc>
             </a:pPr>
-            <a:endParaRPr lang="pt-BR"/>
+            <a:endParaRPr lang="pt-BR" sz="2200" dirty="0"/>
           </a:p>
           <a:p>
             <a:pPr>
@@ -7460,7 +7439,7 @@
                 <a:spcPct val="90000"/>
               </a:lnSpc>
             </a:pPr>
-            <a:endParaRPr lang="pt-BR"/>
+            <a:endParaRPr lang="pt-BR" sz="2200" dirty="0"/>
           </a:p>
         </p:txBody>
       </p:sp>
@@ -7810,7 +7789,7 @@
         </p:nvSpPr>
         <p:spPr>
           <a:xfrm>
-            <a:off x="522513" y="1690688"/>
+            <a:off x="522513" y="1578144"/>
             <a:ext cx="11210307" cy="4351338"/>
           </a:xfrm>
         </p:spPr>
@@ -7822,21 +7801,20 @@
           <a:p>
             <a:pPr algn="just" fontAlgn="base"/>
             <a:r>
-              <a:rPr lang="pt-BR"/>
+              <a:rPr lang="pt-BR" sz="2400" dirty="0"/>
               <a:t>Defina etapas para a realização do Brainstorming, como por exemplo:</a:t>
             </a:r>
           </a:p>
           <a:p>
             <a:pPr lvl="1" algn="just"/>
             <a:r>
-              <a:rPr lang="pt-BR" b="1"/>
+              <a:rPr lang="pt-BR" sz="2400" b="1" dirty="0"/>
               <a:t>Seleção das ideias:</a:t>
             </a:r>
             <a:r>
-              <a:rPr lang="pt-BR"/>
+              <a:rPr lang="pt-BR" sz="2400" dirty="0"/>
               <a:t> agora sim você vai filtrar e relacionar as melhores ideias para criar o seu personagem, jogo ou o que quer que seja.</a:t>
             </a:r>
-            <a:endParaRPr lang="pt-BR" dirty="0"/>
           </a:p>
         </p:txBody>
       </p:sp>
@@ -8110,13 +8088,13 @@
         </p:nvSpPr>
         <p:spPr>
           <a:xfrm>
-            <a:off x="3884612" y="685800"/>
-            <a:ext cx="6626072" cy="3615267"/>
+            <a:off x="3860042" y="963613"/>
+            <a:ext cx="7707166" cy="3615267"/>
           </a:xfrm>
         </p:spPr>
         <p:txBody>
           <a:bodyPr>
-            <a:normAutofit/>
+            <a:noAutofit/>
           </a:bodyPr>
           <a:lstStyle/>
           <a:p>
@@ -8126,7 +8104,7 @@
               </a:lnSpc>
             </a:pPr>
             <a:r>
-              <a:rPr lang="pt-BR" sz="1500"/>
+              <a:rPr lang="pt-BR" dirty="0"/>
               <a:t>Definir o jogo a ser desenvolvido por sua equipe. </a:t>
             </a:r>
           </a:p>
@@ -8137,7 +8115,7 @@
               </a:lnSpc>
             </a:pPr>
             <a:r>
-              <a:rPr lang="pt-BR" sz="1500"/>
+              <a:rPr lang="pt-BR" dirty="0"/>
               <a:t>Grupo no máximo 5 pessoas.</a:t>
             </a:r>
           </a:p>
@@ -8148,7 +8126,7 @@
               </a:lnSpc>
             </a:pPr>
             <a:r>
-              <a:rPr lang="pt-BR" sz="1500"/>
+              <a:rPr lang="pt-BR" dirty="0"/>
               <a:t>Possíveis elementos do jogo</a:t>
             </a:r>
           </a:p>
@@ -8159,7 +8137,7 @@
               </a:lnSpc>
             </a:pPr>
             <a:r>
-              <a:rPr lang="pt-BR" sz="1500"/>
+              <a:rPr lang="pt-BR" sz="2000" dirty="0"/>
               <a:t>Estilo do jogo;</a:t>
             </a:r>
           </a:p>
@@ -8170,7 +8148,7 @@
               </a:lnSpc>
             </a:pPr>
             <a:r>
-              <a:rPr lang="pt-BR" sz="1500"/>
+              <a:rPr lang="pt-BR" sz="2000" dirty="0"/>
               <a:t>Plataforma;</a:t>
             </a:r>
           </a:p>
@@ -8181,7 +8159,7 @@
               </a:lnSpc>
             </a:pPr>
             <a:r>
-              <a:rPr lang="pt-BR" sz="1500"/>
+              <a:rPr lang="pt-BR" sz="2000" dirty="0"/>
               <a:t>Itens do jogo, cenários, mundos;</a:t>
             </a:r>
           </a:p>
@@ -8192,7 +8170,7 @@
               </a:lnSpc>
             </a:pPr>
             <a:r>
-              <a:rPr lang="pt-BR" sz="1500"/>
+              <a:rPr lang="pt-BR" sz="2000" dirty="0"/>
               <a:t>Personagens;</a:t>
             </a:r>
           </a:p>
@@ -8203,7 +8181,7 @@
               </a:lnSpc>
             </a:pPr>
             <a:r>
-              <a:rPr lang="pt-BR" sz="1500"/>
+              <a:rPr lang="pt-BR" sz="2000" dirty="0"/>
               <a:t>Objetivo;</a:t>
             </a:r>
           </a:p>
@@ -8214,7 +8192,7 @@
               </a:lnSpc>
             </a:pPr>
             <a:r>
-              <a:rPr lang="pt-BR" sz="1500"/>
+              <a:rPr lang="pt-BR" dirty="0"/>
               <a:t>Ao termino da atividade o grupo deverá apresentar todo o material desenvolvido para a classe.</a:t>
             </a:r>
           </a:p>
@@ -8224,7 +8202,7 @@
                 <a:spcPct val="90000"/>
               </a:lnSpc>
             </a:pPr>
-            <a:endParaRPr lang="pt-BR" sz="1500"/>
+            <a:endParaRPr lang="pt-BR" dirty="0"/>
           </a:p>
           <a:p>
             <a:pPr>
@@ -8232,7 +8210,7 @@
                 <a:spcPct val="90000"/>
               </a:lnSpc>
             </a:pPr>
-            <a:endParaRPr lang="pt-BR" sz="1500"/>
+            <a:endParaRPr lang="pt-BR" dirty="0"/>
           </a:p>
         </p:txBody>
       </p:sp>
@@ -8710,13 +8688,13 @@
         </p:nvSpPr>
         <p:spPr>
           <a:xfrm>
-            <a:off x="3884612" y="685800"/>
-            <a:ext cx="6626072" cy="3615267"/>
+            <a:off x="3884612" y="896815"/>
+            <a:ext cx="7988520" cy="3615267"/>
           </a:xfrm>
         </p:spPr>
         <p:txBody>
           <a:bodyPr>
-            <a:normAutofit/>
+            <a:noAutofit/>
           </a:bodyPr>
           <a:lstStyle/>
           <a:p>
@@ -8726,7 +8704,7 @@
               </a:lnSpc>
             </a:pPr>
             <a:r>
-              <a:rPr lang="pt-BR" sz="1500" dirty="0"/>
+              <a:rPr lang="pt-BR" dirty="0"/>
               <a:t>Definir o jogo a ser desenvolvido por sua equipe. </a:t>
             </a:r>
           </a:p>
@@ -8737,7 +8715,7 @@
               </a:lnSpc>
             </a:pPr>
             <a:r>
-              <a:rPr lang="pt-BR" sz="1500" dirty="0"/>
+              <a:rPr lang="pt-BR" dirty="0"/>
               <a:t>Grupo no máximo 5 pessoas.</a:t>
             </a:r>
           </a:p>
@@ -8748,7 +8726,7 @@
               </a:lnSpc>
             </a:pPr>
             <a:r>
-              <a:rPr lang="pt-BR" sz="1500" dirty="0"/>
+              <a:rPr lang="pt-BR" dirty="0"/>
               <a:t>Possíveis elementos do jogo</a:t>
             </a:r>
           </a:p>
@@ -8759,7 +8737,7 @@
               </a:lnSpc>
             </a:pPr>
             <a:r>
-              <a:rPr lang="pt-BR" sz="1500" dirty="0"/>
+              <a:rPr lang="pt-BR" sz="2000" dirty="0"/>
               <a:t>Estilo do jogo;</a:t>
             </a:r>
           </a:p>
@@ -8770,7 +8748,7 @@
               </a:lnSpc>
             </a:pPr>
             <a:r>
-              <a:rPr lang="pt-BR" sz="1500" dirty="0"/>
+              <a:rPr lang="pt-BR" sz="2000" dirty="0"/>
               <a:t>Plataforma;</a:t>
             </a:r>
           </a:p>
@@ -8781,7 +8759,7 @@
               </a:lnSpc>
             </a:pPr>
             <a:r>
-              <a:rPr lang="pt-BR" sz="1500" dirty="0"/>
+              <a:rPr lang="pt-BR" sz="2000" dirty="0"/>
               <a:t>Itens do jogo, cenários, mundos;</a:t>
             </a:r>
           </a:p>
@@ -8792,7 +8770,7 @@
               </a:lnSpc>
             </a:pPr>
             <a:r>
-              <a:rPr lang="pt-BR" sz="1500" dirty="0"/>
+              <a:rPr lang="pt-BR" sz="2000" dirty="0"/>
               <a:t>Personagens;</a:t>
             </a:r>
           </a:p>
@@ -8803,7 +8781,7 @@
               </a:lnSpc>
             </a:pPr>
             <a:r>
-              <a:rPr lang="pt-BR" sz="1500" dirty="0"/>
+              <a:rPr lang="pt-BR" sz="2000" dirty="0"/>
               <a:t>Objetivo;</a:t>
             </a:r>
           </a:p>
@@ -8814,7 +8792,7 @@
               </a:lnSpc>
             </a:pPr>
             <a:r>
-              <a:rPr lang="pt-BR" sz="1500" dirty="0"/>
+              <a:rPr lang="pt-BR" dirty="0"/>
               <a:t>Ao termino da atividade o grupo deverá apresentar todo o material desenvolvido para a classe.</a:t>
             </a:r>
           </a:p>
@@ -8824,7 +8802,7 @@
                 <a:spcPct val="90000"/>
               </a:lnSpc>
             </a:pPr>
-            <a:endParaRPr lang="pt-BR" sz="1500" dirty="0"/>
+            <a:endParaRPr lang="pt-BR" dirty="0"/>
           </a:p>
           <a:p>
             <a:pPr>
@@ -8832,7 +8810,7 @@
                 <a:spcPct val="90000"/>
               </a:lnSpc>
             </a:pPr>
-            <a:endParaRPr lang="pt-BR" sz="1500" dirty="0"/>
+            <a:endParaRPr lang="pt-BR" dirty="0"/>
           </a:p>
         </p:txBody>
       </p:sp>
@@ -10186,27 +10164,43 @@
         <p:spPr>
           <a:xfrm>
             <a:off x="6625651" y="685800"/>
-            <a:ext cx="4878959" cy="4603750"/>
+            <a:ext cx="5177143" cy="4603750"/>
           </a:xfrm>
         </p:spPr>
         <p:txBody>
           <a:bodyPr>
-            <a:normAutofit/>
+            <a:noAutofit/>
           </a:bodyPr>
           <a:lstStyle/>
           <a:p>
             <a:r>
-              <a:rPr lang="pt-BR">
+              <a:rPr lang="pt-BR" sz="2200" dirty="0">
                 <a:solidFill>
                   <a:schemeClr val="tx1"/>
                 </a:solidFill>
               </a:rPr>
-              <a:t>Desenvolvida por Fritz Zwicky, a caixa morfológica é uma técnica na qual são realizadas combinações entre os elementos de uma tabela. </a:t>
-            </a:r>
-          </a:p>
-          <a:p>
-            <a:r>
-              <a:rPr lang="pt-BR">
+              <a:t>Desenvolvida por Fritz </a:t>
+            </a:r>
+            <a:r>
+              <a:rPr lang="pt-BR" sz="2200" dirty="0" err="1">
+                <a:solidFill>
+                  <a:schemeClr val="tx1"/>
+                </a:solidFill>
+              </a:rPr>
+              <a:t>Zwicky</a:t>
+            </a:r>
+            <a:r>
+              <a:rPr lang="pt-BR" sz="2200" dirty="0">
+                <a:solidFill>
+                  <a:schemeClr val="tx1"/>
+                </a:solidFill>
+              </a:rPr>
+              <a:t>, a caixa morfológica é uma técnica na qual são realizadas combinações entre os elementos de uma tabela. </a:t>
+            </a:r>
+          </a:p>
+          <a:p>
+            <a:r>
+              <a:rPr lang="pt-BR" sz="2200" dirty="0">
                 <a:solidFill>
                   <a:schemeClr val="tx1"/>
                 </a:solidFill>
@@ -10219,7 +10213,7 @@
               <a:buNone/>
             </a:pPr>
             <a:r>
-              <a:rPr lang="pt-BR">
+              <a:rPr lang="pt-BR" sz="2200" dirty="0">
                 <a:solidFill>
                   <a:schemeClr val="tx1"/>
                 </a:solidFill>
@@ -10227,13 +10221,13 @@
               <a:t> </a:t>
             </a:r>
             <a:br>
-              <a:rPr lang="pt-BR">
+              <a:rPr lang="pt-BR" sz="2200" dirty="0">
                 <a:solidFill>
                   <a:schemeClr val="tx1"/>
                 </a:solidFill>
               </a:rPr>
             </a:br>
-            <a:endParaRPr lang="pt-BR">
+            <a:endParaRPr lang="pt-BR" sz="2200" dirty="0">
               <a:solidFill>
                 <a:schemeClr val="tx1"/>
               </a:solidFill>
@@ -10476,7 +10470,7 @@
           <a:p>
             <a:pPr fontAlgn="base"/>
             <a:r>
-              <a:rPr lang="pt-BR">
+              <a:rPr lang="pt-BR" sz="2200" dirty="0">
                 <a:solidFill>
                   <a:schemeClr val="tx1"/>
                 </a:solidFill>
@@ -10487,16 +10481,32 @@
           <a:p>
             <a:pPr fontAlgn="base"/>
             <a:r>
-              <a:rPr lang="pt-BR">
+              <a:rPr lang="pt-BR" sz="2200" dirty="0">
                 <a:solidFill>
                   <a:schemeClr val="tx1"/>
                 </a:solidFill>
               </a:rPr>
-              <a:t>O exemplo do próximo slide ilustra uma matriz que será utilizada na técnica da caixa morfológica para criar um jogo de pong. </a:t>
-            </a:r>
-          </a:p>
-          <a:p>
-            <a:endParaRPr lang="pt-BR">
+              <a:t>O exemplo do próximo slide ilustra uma matriz que será utilizada na técnica da caixa morfológica para criar um jogo de </a:t>
+            </a:r>
+            <a:r>
+              <a:rPr lang="pt-BR" sz="2200" dirty="0" err="1">
+                <a:solidFill>
+                  <a:schemeClr val="tx1"/>
+                </a:solidFill>
+              </a:rPr>
+              <a:t>pong</a:t>
+            </a:r>
+            <a:r>
+              <a:rPr lang="pt-BR" sz="2200" dirty="0">
+                <a:solidFill>
+                  <a:schemeClr val="tx1"/>
+                </a:solidFill>
+              </a:rPr>
+              <a:t>. </a:t>
+            </a:r>
+          </a:p>
+          <a:p>
+            <a:endParaRPr lang="pt-BR" sz="2200" dirty="0">
               <a:solidFill>
                 <a:schemeClr val="tx1"/>
               </a:solidFill>
@@ -10568,32 +10578,31 @@
         </p:nvSpPr>
         <p:spPr>
           <a:xfrm>
-            <a:off x="838200" y="3799898"/>
+            <a:off x="838200" y="3813965"/>
             <a:ext cx="10515600" cy="1178832"/>
           </a:xfrm>
         </p:spPr>
         <p:txBody>
-          <a:bodyPr/>
+          <a:bodyPr>
+            <a:normAutofit/>
+          </a:bodyPr>
           <a:lstStyle/>
           <a:p>
             <a:pPr marL="0" indent="0" algn="just" fontAlgn="base">
               <a:buNone/>
             </a:pPr>
             <a:r>
-              <a:rPr lang="pt-BR" dirty="0"/>
+              <a:rPr lang="pt-BR" sz="2200" dirty="0"/>
               <a:t>Combinando um item de cada linha é possível gerar várias alternativas para o jogo estilo </a:t>
             </a:r>
             <a:r>
-              <a:rPr lang="pt-BR" dirty="0" err="1"/>
+              <a:rPr lang="pt-BR" sz="2200" dirty="0" err="1"/>
               <a:t>pong</a:t>
             </a:r>
             <a:r>
-              <a:rPr lang="pt-BR" dirty="0"/>
+              <a:rPr lang="pt-BR" sz="2200" dirty="0"/>
               <a:t>.</a:t>
             </a:r>
-          </a:p>
-          <a:p>
-            <a:endParaRPr lang="pt-BR" dirty="0"/>
           </a:p>
         </p:txBody>
       </p:sp>
@@ -10725,7 +10734,7 @@
         </p:nvSpPr>
         <p:spPr>
           <a:xfrm>
-            <a:off x="838200" y="3387608"/>
+            <a:off x="838200" y="3514220"/>
             <a:ext cx="10515600" cy="1927568"/>
           </a:xfrm>
         </p:spPr>
@@ -11035,29 +11044,40 @@
             <p:ph idx="1"/>
           </p:nvPr>
         </p:nvSpPr>
-        <p:spPr/>
-        <p:txBody>
-          <a:bodyPr/>
+        <p:spPr>
+          <a:xfrm>
+            <a:off x="684211" y="685800"/>
+            <a:ext cx="10429265" cy="4097215"/>
+          </a:xfrm>
+        </p:spPr>
+        <p:txBody>
+          <a:bodyPr>
+            <a:normAutofit/>
+          </a:bodyPr>
           <a:lstStyle/>
           <a:p>
             <a:pPr algn="just"/>
-            <a:endParaRPr lang="pt-BR" dirty="0"/>
+            <a:endParaRPr lang="pt-BR" sz="4000" dirty="0"/>
           </a:p>
           <a:p>
             <a:pPr algn="just"/>
-            <a:endParaRPr lang="pt-BR" dirty="0"/>
-          </a:p>
-          <a:p>
-            <a:pPr algn="just"/>
-            <a:r>
-              <a:rPr lang="pt-BR" dirty="0"/>
+            <a:endParaRPr lang="pt-BR" sz="4000" dirty="0"/>
+          </a:p>
+          <a:p>
+            <a:pPr marL="0" indent="0" algn="just">
+              <a:buNone/>
+            </a:pPr>
+            <a:r>
+              <a:rPr lang="pt-BR" sz="4000" dirty="0"/>
               <a:t>Todo jogo começa com uma ideia.</a:t>
             </a:r>
           </a:p>
           <a:p>
-            <a:pPr algn="just"/>
-            <a:r>
-              <a:rPr lang="pt-BR" sz="4400" dirty="0"/>
+            <a:pPr marL="0" indent="0" algn="just">
+              <a:buNone/>
+            </a:pPr>
+            <a:r>
+              <a:rPr lang="pt-BR" sz="4000" dirty="0"/>
               <a:t>O que posso fazer para ter uma ideia?</a:t>
             </a:r>
           </a:p>
@@ -11132,7 +11152,7 @@
         </p:nvSpPr>
         <p:spPr>
           <a:xfrm>
-            <a:off x="838200" y="3559918"/>
+            <a:off x="838200" y="3658393"/>
             <a:ext cx="10744200" cy="1983324"/>
           </a:xfrm>
         </p:spPr>
@@ -11630,7 +11650,7 @@
           <a:lstStyle/>
           <a:p>
             <a:r>
-              <a:rPr lang="pt-BR">
+              <a:rPr lang="pt-BR" sz="2400" dirty="0">
                 <a:solidFill>
                   <a:schemeClr val="tx1"/>
                 </a:solidFill>
@@ -11640,7 +11660,7 @@
           </a:p>
           <a:p>
             <a:r>
-              <a:rPr lang="pt-BR">
+              <a:rPr lang="pt-BR" sz="2400" dirty="0">
                 <a:solidFill>
                   <a:schemeClr val="tx1"/>
                 </a:solidFill>
@@ -11649,14 +11669,14 @@
             </a:r>
           </a:p>
           <a:p>
-            <a:endParaRPr lang="pt-BR">
+            <a:endParaRPr lang="pt-BR" sz="2400" dirty="0">
               <a:solidFill>
                 <a:schemeClr val="tx1"/>
               </a:solidFill>
             </a:endParaRPr>
           </a:p>
           <a:p>
-            <a:endParaRPr lang="pt-BR">
+            <a:endParaRPr lang="pt-BR" sz="2400" dirty="0">
               <a:solidFill>
                 <a:schemeClr val="tx1"/>
               </a:solidFill>
@@ -11863,26 +11883,20 @@
         </p:spPr>
         <p:txBody>
           <a:bodyPr>
-            <a:normAutofit/>
+            <a:noAutofit/>
           </a:bodyPr>
           <a:lstStyle/>
           <a:p>
             <a:r>
-              <a:rPr lang="pt-BR"/>
+              <a:rPr lang="pt-BR" sz="2800" dirty="0"/>
               <a:t>Utilize a técnica da caixa morfológica para auxiliar na criação dos personagens, cenários, fases, mecânicas de seu jogo.</a:t>
             </a:r>
           </a:p>
           <a:p>
             <a:r>
-              <a:rPr lang="pt-BR"/>
+              <a:rPr lang="pt-BR" sz="2800" dirty="0"/>
               <a:t>Ao termino da atividade o grupo deverá apresentar todo o material desenvolvido para a classe.</a:t>
             </a:r>
-          </a:p>
-          <a:p>
-            <a:endParaRPr lang="pt-BR"/>
-          </a:p>
-          <a:p>
-            <a:endParaRPr lang="pt-BR" dirty="0"/>
           </a:p>
         </p:txBody>
       </p:sp>
@@ -12340,49 +12354,77 @@
         </p:nvSpPr>
         <p:spPr>
           <a:xfrm>
-            <a:off x="838200" y="3767813"/>
+            <a:off x="838200" y="3584932"/>
             <a:ext cx="10515600" cy="2195835"/>
           </a:xfrm>
         </p:spPr>
         <p:txBody>
           <a:bodyPr>
-            <a:normAutofit/>
+            <a:noAutofit/>
           </a:bodyPr>
           <a:lstStyle/>
           <a:p>
             <a:pPr algn="just"/>
             <a:r>
-              <a:rPr lang="pt-BR" dirty="0"/>
+              <a:rPr lang="pt-BR" sz="2400" b="1" dirty="0">
+                <a:solidFill>
+                  <a:schemeClr val="tx1"/>
+                </a:solidFill>
+              </a:rPr>
               <a:t>Edward de Bono apresentou esta técnica no seu livro "6 </a:t>
             </a:r>
             <a:r>
-              <a:rPr lang="pt-BR" dirty="0" err="1"/>
+              <a:rPr lang="pt-BR" sz="2400" b="1" dirty="0" err="1">
+                <a:solidFill>
+                  <a:schemeClr val="tx1"/>
+                </a:solidFill>
+              </a:rPr>
               <a:t>Thinking</a:t>
             </a:r>
             <a:r>
-              <a:rPr lang="pt-BR" dirty="0"/>
+              <a:rPr lang="pt-BR" sz="2400" b="1" dirty="0">
+                <a:solidFill>
+                  <a:schemeClr val="tx1"/>
+                </a:solidFill>
+              </a:rPr>
               <a:t> </a:t>
             </a:r>
             <a:r>
-              <a:rPr lang="pt-BR" dirty="0" err="1"/>
+              <a:rPr lang="pt-BR" sz="2400" b="1" dirty="0" err="1">
+                <a:solidFill>
+                  <a:schemeClr val="tx1"/>
+                </a:solidFill>
+              </a:rPr>
               <a:t>Hats</a:t>
             </a:r>
             <a:r>
-              <a:rPr lang="pt-BR" dirty="0"/>
+              <a:rPr lang="pt-BR" sz="2400" b="1" dirty="0">
+                <a:solidFill>
+                  <a:schemeClr val="tx1"/>
+                </a:solidFill>
+              </a:rPr>
               <a:t>“.</a:t>
             </a:r>
           </a:p>
           <a:p>
             <a:pPr algn="just"/>
             <a:r>
-              <a:rPr lang="pt-BR" dirty="0"/>
+              <a:rPr lang="pt-BR" sz="2400" b="1" dirty="0">
+                <a:solidFill>
+                  <a:schemeClr val="tx1"/>
+                </a:solidFill>
+              </a:rPr>
               <a:t>Cada Chapéu do Pensamento corresponde a um diferente estilo de pensamento.</a:t>
             </a:r>
           </a:p>
           <a:p>
             <a:pPr algn="just"/>
             <a:r>
-              <a:rPr lang="pt-BR" dirty="0"/>
+              <a:rPr lang="pt-BR" sz="2400" b="1" dirty="0">
+                <a:solidFill>
+                  <a:schemeClr val="tx1"/>
+                </a:solidFill>
+              </a:rPr>
               <a:t>Esta técnica permite analisar várias perspectivas de um problema, tomar decisões e ajudar nos processos de inovação.</a:t>
             </a:r>
           </a:p>
@@ -12390,10 +12432,18 @@
             <a:pPr marL="0" indent="0">
               <a:buNone/>
             </a:pPr>
-            <a:endParaRPr lang="pt-BR" dirty="0"/>
-          </a:p>
-          <a:p>
-            <a:endParaRPr lang="pt-BR" dirty="0"/>
+            <a:endParaRPr lang="pt-BR" sz="2400" b="1" dirty="0">
+              <a:solidFill>
+                <a:schemeClr val="tx1"/>
+              </a:solidFill>
+            </a:endParaRPr>
+          </a:p>
+          <a:p>
+            <a:endParaRPr lang="pt-BR" sz="2400" b="1" dirty="0">
+              <a:solidFill>
+                <a:schemeClr val="tx1"/>
+              </a:solidFill>
+            </a:endParaRPr>
           </a:p>
         </p:txBody>
       </p:sp>
@@ -12430,7 +12480,7 @@
         </p:blipFill>
         <p:spPr bwMode="auto">
           <a:xfrm>
-            <a:off x="3371786" y="1709925"/>
+            <a:off x="3371786" y="666963"/>
             <a:ext cx="5448428" cy="1580960"/>
           </a:xfrm>
           <a:prstGeom prst="rect">
@@ -12843,8 +12893,8 @@
         </p:nvSpPr>
         <p:spPr>
           <a:xfrm>
-            <a:off x="684212" y="4487332"/>
-            <a:ext cx="8534400" cy="1507067"/>
+            <a:off x="494797" y="4245315"/>
+            <a:ext cx="3641484" cy="1507067"/>
           </a:xfrm>
         </p:spPr>
         <p:txBody>
@@ -12881,7 +12931,7 @@
         </p:blipFill>
         <p:spPr bwMode="auto">
           <a:xfrm>
-            <a:off x="994700" y="724930"/>
+            <a:off x="494797" y="415440"/>
             <a:ext cx="2778187" cy="3584601"/>
           </a:xfrm>
           <a:prstGeom prst="rect">
@@ -12918,13 +12968,13 @@
         </p:nvSpPr>
         <p:spPr>
           <a:xfrm>
-            <a:off x="4325696" y="733647"/>
-            <a:ext cx="6593129" cy="3575884"/>
+            <a:off x="4325696" y="1422965"/>
+            <a:ext cx="7266082" cy="3575884"/>
           </a:xfrm>
         </p:spPr>
         <p:txBody>
           <a:bodyPr>
-            <a:normAutofit/>
+            <a:noAutofit/>
           </a:bodyPr>
           <a:lstStyle/>
           <a:p>
@@ -12934,12 +12984,20 @@
               </a:lnSpc>
             </a:pPr>
             <a:r>
-              <a:rPr lang="pt-BR" sz="1300" b="1"/>
-              <a:t>Chapéu Branco</a:t>
-            </a:r>
-            <a:r>
-              <a:rPr lang="pt-BR" sz="1300"/>
-              <a:t>: Com este chapéu do pensamento vai focar-se nos dados/informações disponíveis. </a:t>
+              <a:rPr lang="pt-BR" b="1" dirty="0">
+                <a:solidFill>
+                  <a:schemeClr val="bg1"/>
+                </a:solidFill>
+              </a:rPr>
+              <a:t>Chapéu Branco: </a:t>
+            </a:r>
+            <a:r>
+              <a:rPr lang="pt-BR" dirty="0">
+                <a:solidFill>
+                  <a:schemeClr val="bg1"/>
+                </a:solidFill>
+              </a:rPr>
+              <a:t>Com este chapéu do pensamento vai focar-se nos dados/informações disponíveis. </a:t>
             </a:r>
           </a:p>
           <a:p>
@@ -12949,7 +13007,11 @@
               </a:lnSpc>
             </a:pPr>
             <a:r>
-              <a:rPr lang="pt-BR" sz="1300"/>
+              <a:rPr lang="pt-BR" sz="2000" dirty="0">
+                <a:solidFill>
+                  <a:schemeClr val="bg1"/>
+                </a:solidFill>
+              </a:rPr>
               <a:t>Olhe para a informação de que dispõe e veja o que pode aprender com ela.</a:t>
             </a:r>
           </a:p>
@@ -12960,7 +13022,11 @@
               </a:lnSpc>
             </a:pPr>
             <a:r>
-              <a:rPr lang="pt-BR" sz="1300"/>
+              <a:rPr lang="pt-BR" sz="2000" dirty="0">
+                <a:solidFill>
+                  <a:schemeClr val="bg1"/>
+                </a:solidFill>
+              </a:rPr>
               <a:t>Verifique que falhas há no seu conhecimento e tente preenchê-las ou tê-las em conta. </a:t>
             </a:r>
           </a:p>
@@ -12971,7 +13037,11 @@
               </a:lnSpc>
             </a:pPr>
             <a:r>
-              <a:rPr lang="pt-BR" sz="1300"/>
+              <a:rPr lang="pt-BR" sz="2000" dirty="0">
+                <a:solidFill>
+                  <a:schemeClr val="bg1"/>
+                </a:solidFill>
+              </a:rPr>
               <a:t>É neste momento que analisa as tendências passadas e tenta extrapolar sobre dados históricos.</a:t>
             </a:r>
           </a:p>
@@ -12982,7 +13052,11 @@
               </a:lnSpc>
             </a:pPr>
             <a:r>
-              <a:rPr lang="pt-BR" sz="1300"/>
+              <a:rPr lang="pt-BR" dirty="0">
+                <a:solidFill>
+                  <a:schemeClr val="bg1"/>
+                </a:solidFill>
+              </a:rPr>
               <a:t>Questões chave:</a:t>
             </a:r>
           </a:p>
@@ -12993,7 +13067,11 @@
               </a:lnSpc>
             </a:pPr>
             <a:r>
-              <a:rPr lang="pt-BR" sz="1300"/>
+              <a:rPr lang="pt-BR" sz="2000" dirty="0">
+                <a:solidFill>
+                  <a:schemeClr val="bg1"/>
+                </a:solidFill>
+              </a:rPr>
               <a:t>Que informações nós temos aqui? Quais são os fatos?</a:t>
             </a:r>
           </a:p>
@@ -13004,7 +13082,11 @@
               </a:lnSpc>
             </a:pPr>
             <a:r>
-              <a:rPr lang="pt-BR" sz="1300"/>
+              <a:rPr lang="pt-BR" sz="2000" dirty="0">
+                <a:solidFill>
+                  <a:schemeClr val="bg1"/>
+                </a:solidFill>
+              </a:rPr>
               <a:t>Que informações necessárias estão faltando?</a:t>
             </a:r>
           </a:p>
@@ -13015,7 +13097,11 @@
               </a:lnSpc>
             </a:pPr>
             <a:r>
-              <a:rPr lang="pt-BR" sz="1300"/>
+              <a:rPr lang="pt-BR" sz="2000" dirty="0">
+                <a:solidFill>
+                  <a:schemeClr val="bg1"/>
+                </a:solidFill>
+              </a:rPr>
               <a:t>Que informações nós gostaríamos de ter?</a:t>
             </a:r>
           </a:p>
@@ -13026,25 +13112,13 @@
               </a:lnSpc>
             </a:pPr>
             <a:r>
-              <a:rPr lang="pt-BR" sz="1300"/>
+              <a:rPr lang="pt-BR" sz="2000" dirty="0">
+                <a:solidFill>
+                  <a:schemeClr val="bg1"/>
+                </a:solidFill>
+              </a:rPr>
               <a:t>Como podemos obter as informações?</a:t>
             </a:r>
-          </a:p>
-          <a:p>
-            <a:pPr lvl="1">
-              <a:lnSpc>
-                <a:spcPct val="90000"/>
-              </a:lnSpc>
-            </a:pPr>
-            <a:endParaRPr lang="pt-BR" sz="1300"/>
-          </a:p>
-          <a:p>
-            <a:pPr>
-              <a:lnSpc>
-                <a:spcPct val="90000"/>
-              </a:lnSpc>
-            </a:pPr>
-            <a:endParaRPr lang="pt-BR" sz="1300"/>
           </a:p>
         </p:txBody>
       </p:sp>
@@ -13115,7 +13189,7 @@
         </p:nvSpPr>
         <p:spPr>
           <a:xfrm>
-            <a:off x="684212" y="4487332"/>
+            <a:off x="517881" y="3998217"/>
             <a:ext cx="8534400" cy="1507067"/>
           </a:xfrm>
         </p:spPr>
@@ -13153,7 +13227,7 @@
         </p:blipFill>
         <p:spPr bwMode="auto">
           <a:xfrm>
-            <a:off x="1347147" y="724930"/>
+            <a:off x="517881" y="413616"/>
             <a:ext cx="2073294" cy="3584601"/>
           </a:xfrm>
           <a:prstGeom prst="rect">
@@ -13190,63 +13264,61 @@
         </p:nvSpPr>
         <p:spPr>
           <a:xfrm>
-            <a:off x="4325696" y="733647"/>
+            <a:off x="4325696" y="1929400"/>
             <a:ext cx="6593129" cy="3575884"/>
           </a:xfrm>
         </p:spPr>
         <p:txBody>
           <a:bodyPr>
-            <a:normAutofit/>
+            <a:noAutofit/>
           </a:bodyPr>
           <a:lstStyle/>
           <a:p>
             <a:r>
-              <a:rPr lang="pt-BR" b="1" dirty="0"/>
+              <a:rPr lang="pt-BR" sz="2400" b="1" dirty="0"/>
               <a:t>Chapéu Vermelho: </a:t>
             </a:r>
             <a:r>
-              <a:rPr lang="pt-BR" dirty="0"/>
+              <a:rPr lang="pt-BR" sz="2400" dirty="0"/>
               <a:t>Colocar o chapéu Vermelho, vai fazê-lo olhar para os problemas utilizando a intuição, a reação instintiva e a emoção. </a:t>
             </a:r>
-            <a:endParaRPr lang="pt-BR"/>
-          </a:p>
-          <a:p>
-            <a:r>
-              <a:rPr lang="pt-BR" dirty="0"/>
+          </a:p>
+          <a:p>
+            <a:r>
+              <a:rPr lang="pt-BR" sz="2400" dirty="0"/>
               <a:t>Exemplos de expressões:</a:t>
             </a:r>
-            <a:endParaRPr lang="pt-BR"/>
           </a:p>
           <a:p>
             <a:pPr lvl="1" fontAlgn="base"/>
             <a:r>
-              <a:rPr lang="pt-BR" dirty="0"/>
+              <a:rPr lang="pt-BR" sz="2400" dirty="0"/>
               <a:t>Meu pressentimento é que isto não vai funcionar.</a:t>
             </a:r>
           </a:p>
           <a:p>
             <a:pPr lvl="1" fontAlgn="base"/>
             <a:r>
-              <a:rPr lang="pt-BR" dirty="0"/>
+              <a:rPr lang="pt-BR" sz="2400" dirty="0"/>
               <a:t>Não gosto da maneira como isto está sendo feito.</a:t>
             </a:r>
           </a:p>
           <a:p>
             <a:pPr lvl="1" fontAlgn="base"/>
             <a:r>
-              <a:rPr lang="pt-BR" dirty="0"/>
+              <a:rPr lang="pt-BR" sz="2400" dirty="0"/>
               <a:t>Esta proposta é terrível.</a:t>
             </a:r>
           </a:p>
           <a:p>
             <a:pPr lvl="1" fontAlgn="base"/>
             <a:r>
-              <a:rPr lang="pt-BR" dirty="0"/>
+              <a:rPr lang="pt-BR" sz="2400" dirty="0"/>
               <a:t>Minha intuição me diz que os preços vão cair em breve.</a:t>
             </a:r>
           </a:p>
           <a:p>
-            <a:endParaRPr lang="pt-BR"/>
+            <a:endParaRPr lang="pt-BR" sz="2400" dirty="0"/>
           </a:p>
         </p:txBody>
       </p:sp>
@@ -13317,7 +13389,7 @@
         </p:nvSpPr>
         <p:spPr>
           <a:xfrm>
-            <a:off x="684212" y="4487332"/>
+            <a:off x="526079" y="3857541"/>
             <a:ext cx="8534400" cy="1507067"/>
           </a:xfrm>
         </p:spPr>
@@ -13355,7 +13427,7 @@
         </p:blipFill>
         <p:spPr bwMode="auto">
           <a:xfrm>
-            <a:off x="1440478" y="724930"/>
+            <a:off x="526079" y="415442"/>
             <a:ext cx="1886631" cy="3584601"/>
           </a:xfrm>
           <a:prstGeom prst="rect">
@@ -13392,13 +13464,13 @@
         </p:nvSpPr>
         <p:spPr>
           <a:xfrm>
-            <a:off x="4325696" y="733647"/>
-            <a:ext cx="6593129" cy="3575884"/>
+            <a:off x="4030275" y="2238411"/>
+            <a:ext cx="7885061" cy="3575884"/>
           </a:xfrm>
         </p:spPr>
         <p:txBody>
           <a:bodyPr>
-            <a:normAutofit/>
+            <a:noAutofit/>
           </a:bodyPr>
           <a:lstStyle/>
           <a:p>
@@ -13408,11 +13480,11 @@
               </a:lnSpc>
             </a:pPr>
             <a:r>
-              <a:rPr lang="pt-BR" sz="1100" b="1"/>
+              <a:rPr lang="pt-BR" sz="2200" b="1" dirty="0"/>
               <a:t>Chapéu Preto: </a:t>
             </a:r>
             <a:r>
-              <a:rPr lang="pt-BR" sz="1100"/>
+              <a:rPr lang="pt-BR" sz="2200" dirty="0"/>
               <a:t>Com este chapéu tem de olhar para todos os pontos negativos da decisão. Tente ver onde é que pode não funcionar, o que pode correr mal. </a:t>
             </a:r>
           </a:p>
@@ -13423,7 +13495,7 @@
               </a:lnSpc>
             </a:pPr>
             <a:r>
-              <a:rPr lang="pt-BR" sz="1100"/>
+              <a:rPr lang="pt-BR" sz="2200" dirty="0"/>
               <a:t>Isto é importante porque destaca os pontos fracos de um plano, permitindo eliminá-los, alterá-los ou preparar planos de contingência para combate-los. </a:t>
             </a:r>
           </a:p>
@@ -13434,7 +13506,7 @@
               </a:lnSpc>
             </a:pPr>
             <a:r>
-              <a:rPr lang="pt-BR" sz="1100"/>
+              <a:rPr lang="pt-BR" sz="2200" dirty="0"/>
               <a:t>O uso do chapéu preto deve considerar:</a:t>
             </a:r>
           </a:p>
@@ -13445,7 +13517,7 @@
               </a:lnSpc>
             </a:pPr>
             <a:r>
-              <a:rPr lang="pt-BR" sz="1100"/>
+              <a:rPr lang="pt-BR" sz="2200" dirty="0"/>
               <a:t>Custos (se a proposta será muito cara).</a:t>
             </a:r>
           </a:p>
@@ -13456,7 +13528,7 @@
               </a:lnSpc>
             </a:pPr>
             <a:r>
-              <a:rPr lang="pt-BR" sz="1100"/>
+              <a:rPr lang="pt-BR" sz="2200" dirty="0"/>
               <a:t>Normas, regulamentos e aspectos legais.</a:t>
             </a:r>
           </a:p>
@@ -13467,7 +13539,7 @@
               </a:lnSpc>
             </a:pPr>
             <a:r>
-              <a:rPr lang="pt-BR" sz="1100"/>
+              <a:rPr lang="pt-BR" sz="2200" dirty="0"/>
               <a:t>Materiais (se este “objeto” exigirá muita manutenção).</a:t>
             </a:r>
           </a:p>
@@ -13478,7 +13550,7 @@
               </a:lnSpc>
             </a:pPr>
             <a:r>
-              <a:rPr lang="pt-BR" sz="1100"/>
+              <a:rPr lang="pt-BR" sz="2200" dirty="0"/>
               <a:t>Questões sobre segurança.</a:t>
             </a:r>
           </a:p>
@@ -13489,7 +13561,7 @@
               </a:lnSpc>
             </a:pPr>
             <a:r>
-              <a:rPr lang="pt-BR" sz="1100"/>
+              <a:rPr lang="pt-BR" sz="2200" dirty="0"/>
               <a:t>Erros podem ser desastrosos. Por isso o chapéu preto é muito útil e tem muito valor. Mas é necessário tomar cuidado para não eliminar ideias criativas com excessos e negatividade.</a:t>
             </a:r>
           </a:p>
@@ -13499,7 +13571,7 @@
                 <a:spcPct val="90000"/>
               </a:lnSpc>
             </a:pPr>
-            <a:endParaRPr lang="pt-BR" sz="1100"/>
+            <a:endParaRPr lang="pt-BR" sz="2200" dirty="0"/>
           </a:p>
           <a:p>
             <a:pPr lvl="1">
@@ -13507,7 +13579,7 @@
                 <a:spcPct val="90000"/>
               </a:lnSpc>
             </a:pPr>
-            <a:endParaRPr lang="pt-BR" sz="1100"/>
+            <a:endParaRPr lang="pt-BR" sz="2200" dirty="0"/>
           </a:p>
           <a:p>
             <a:pPr>
@@ -13515,7 +13587,7 @@
                 <a:spcPct val="90000"/>
               </a:lnSpc>
             </a:pPr>
-            <a:endParaRPr lang="pt-BR" sz="1100"/>
+            <a:endParaRPr lang="pt-BR" sz="2200" dirty="0"/>
           </a:p>
         </p:txBody>
       </p:sp>
@@ -14051,6 +14123,31 @@
 <file path=ppt/slides/slide30.xml><?xml version="1.0" encoding="utf-8"?>
 <p:sld xmlns:a="http://schemas.openxmlformats.org/drawingml/2006/main" xmlns:r="http://schemas.openxmlformats.org/officeDocument/2006/relationships" xmlns:p="http://schemas.openxmlformats.org/presentationml/2006/main">
   <p:cSld>
+    <p:bg>
+      <p:bgPr>
+        <a:gradFill rotWithShape="1">
+          <a:gsLst>
+            <a:gs pos="10000">
+              <a:schemeClr val="bg2">
+                <a:tint val="97000"/>
+                <a:hueMod val="92000"/>
+                <a:satMod val="169000"/>
+                <a:lumMod val="164000"/>
+              </a:schemeClr>
+            </a:gs>
+            <a:gs pos="100000">
+              <a:schemeClr val="bg2">
+                <a:shade val="96000"/>
+                <a:satMod val="120000"/>
+                <a:lumMod val="90000"/>
+              </a:schemeClr>
+            </a:gs>
+          </a:gsLst>
+          <a:lin ang="6120000" scaled="1"/>
+        </a:gradFill>
+        <a:effectLst/>
+      </p:bgPr>
+    </p:bg>
     <p:spTree>
       <p:nvGrpSpPr>
         <p:cNvPr id="1" name=""/>
@@ -14075,98 +14172,22 @@
             <p:ph type="title"/>
           </p:nvPr>
         </p:nvSpPr>
-        <p:spPr/>
-        <p:txBody>
-          <a:bodyPr/>
+        <p:spPr>
+          <a:xfrm>
+            <a:off x="473929" y="4054489"/>
+            <a:ext cx="8534400" cy="1507067"/>
+          </a:xfrm>
+        </p:spPr>
+        <p:txBody>
+          <a:bodyPr>
+            <a:normAutofit/>
+          </a:bodyPr>
           <a:lstStyle/>
           <a:p>
             <a:r>
               <a:rPr lang="pt-BR" b="1" dirty="0"/>
               <a:t>“Seis Chapéus”</a:t>
             </a:r>
-          </a:p>
-        </p:txBody>
-      </p:sp>
-      <p:sp>
-        <p:nvSpPr>
-          <p:cNvPr id="3" name="Espaço Reservado para Conteúdo 2"/>
-          <p:cNvSpPr>
-            <a:spLocks noGrp="1"/>
-          </p:cNvSpPr>
-          <p:nvPr>
-            <p:ph idx="1"/>
-          </p:nvPr>
-        </p:nvSpPr>
-        <p:spPr/>
-        <p:txBody>
-          <a:bodyPr>
-            <a:normAutofit fontScale="85000" lnSpcReduction="10000"/>
-          </a:bodyPr>
-          <a:lstStyle/>
-          <a:p>
-            <a:pPr algn="just"/>
-            <a:r>
-              <a:rPr lang="pt-BR" b="1" dirty="0"/>
-              <a:t>Chapéu Amarelo: </a:t>
-            </a:r>
-            <a:r>
-              <a:rPr lang="pt-BR" dirty="0"/>
-              <a:t>O chapéu amarelo ajuda-o a pensar positivamente. É o ponto de vista optimista que o ajuda a ver os benefícios da decisão e o valor da mesma. </a:t>
-            </a:r>
-          </a:p>
-          <a:p>
-            <a:pPr algn="just"/>
-            <a:r>
-              <a:rPr lang="pt-BR" dirty="0"/>
-              <a:t>Questões chave:</a:t>
-            </a:r>
-          </a:p>
-          <a:p>
-            <a:pPr lvl="1" fontAlgn="base"/>
-            <a:r>
-              <a:rPr lang="pt-BR" dirty="0"/>
-              <a:t>Quais são os benefícios desta opção?</a:t>
-            </a:r>
-          </a:p>
-          <a:p>
-            <a:pPr lvl="1" fontAlgn="base"/>
-            <a:r>
-              <a:rPr lang="pt-BR" dirty="0"/>
-              <a:t>Qual é a proposta preferida?</a:t>
-            </a:r>
-          </a:p>
-          <a:p>
-            <a:pPr lvl="1" fontAlgn="base"/>
-            <a:r>
-              <a:rPr lang="pt-BR" dirty="0"/>
-              <a:t>Quais são os elementos positivos deste design?</a:t>
-            </a:r>
-          </a:p>
-          <a:p>
-            <a:pPr lvl="1" fontAlgn="base"/>
-            <a:r>
-              <a:rPr lang="pt-BR" dirty="0"/>
-              <a:t>Como podemos fazer isto funcionar?</a:t>
-            </a:r>
-          </a:p>
-          <a:p>
-            <a:pPr algn="just" fontAlgn="base"/>
-            <a:r>
-              <a:rPr lang="pt-BR" dirty="0"/>
-              <a:t>Este chapéu nos conduz a busca deliberada pelo positivo. Os benefícios nem sempre são imediatamente óbvios e precisam ser buscados. Toda ideia criativa merece uma atenção deste chapéu amarelo.</a:t>
-            </a:r>
-          </a:p>
-          <a:p>
-            <a:pPr algn="just"/>
-            <a:endParaRPr lang="pt-BR" dirty="0"/>
-          </a:p>
-          <a:p>
-            <a:pPr lvl="1" algn="just"/>
-            <a:endParaRPr lang="pt-BR" dirty="0"/>
-          </a:p>
-          <a:p>
-            <a:pPr algn="just"/>
-            <a:endParaRPr lang="pt-BR" dirty="0"/>
           </a:p>
         </p:txBody>
       </p:sp>
@@ -14180,16 +14201,6 @@
         </p:nvPicPr>
         <p:blipFill rotWithShape="1">
           <a:blip r:embed="rId2">
-            <a:clrChange>
-              <a:clrFrom>
-                <a:srgbClr val="FBFBFB"/>
-              </a:clrFrom>
-              <a:clrTo>
-                <a:srgbClr val="FBFBFB">
-                  <a:alpha val="0"/>
-                </a:srgbClr>
-              </a:clrTo>
-            </a:clrChange>
             <a:extLst>
               <a:ext uri="{28A0092B-C50C-407E-A947-70E740481C1C}">
                 <a14:useLocalDpi xmlns:a14="http://schemas.microsoft.com/office/drawing/2010/main" val="0"/>
@@ -14201,13 +14212,20 @@
         </p:blipFill>
         <p:spPr bwMode="auto">
           <a:xfrm>
-            <a:off x="609600" y="55658"/>
-            <a:ext cx="859536" cy="1580960"/>
+            <a:off x="473929" y="424160"/>
+            <a:ext cx="1944155" cy="3575884"/>
           </a:xfrm>
           <a:prstGeom prst="rect">
             <a:avLst/>
           </a:prstGeom>
           <a:noFill/>
+          <a:effectLst>
+            <a:innerShdw blurRad="57150" dist="38100" dir="14460000">
+              <a:prstClr val="black">
+                <a:alpha val="70000"/>
+              </a:prstClr>
+            </a:innerShdw>
+          </a:effectLst>
           <a:extLst>
             <a:ext uri="{909E8E84-426E-40DD-AFC4-6F175D3DCCD1}">
               <a14:hiddenFill xmlns:a14="http://schemas.microsoft.com/office/drawing/2010/main">
@@ -14219,6 +14237,110 @@
           </a:extLst>
         </p:spPr>
       </p:pic>
+      <p:sp>
+        <p:nvSpPr>
+          <p:cNvPr id="3" name="Espaço Reservado para Conteúdo 2"/>
+          <p:cNvSpPr>
+            <a:spLocks noGrp="1"/>
+          </p:cNvSpPr>
+          <p:nvPr>
+            <p:ph idx="1"/>
+          </p:nvPr>
+        </p:nvSpPr>
+        <p:spPr>
+          <a:xfrm>
+            <a:off x="4276577" y="325684"/>
+            <a:ext cx="7441493" cy="5235872"/>
+          </a:xfrm>
+        </p:spPr>
+        <p:txBody>
+          <a:bodyPr>
+            <a:noAutofit/>
+          </a:bodyPr>
+          <a:lstStyle/>
+          <a:p>
+            <a:pPr>
+              <a:lnSpc>
+                <a:spcPct val="90000"/>
+              </a:lnSpc>
+            </a:pPr>
+            <a:r>
+              <a:rPr lang="pt-BR" sz="2200" b="1" dirty="0"/>
+              <a:t>Chapéu Amarelo: </a:t>
+            </a:r>
+            <a:r>
+              <a:rPr lang="pt-BR" sz="2200" dirty="0"/>
+              <a:t>O chapéu amarelo ajuda-o a pensar positivamente. É o ponto de vista optimista que o ajuda a ver os benefícios da decisão e o valor da mesma. </a:t>
+            </a:r>
+          </a:p>
+          <a:p>
+            <a:pPr>
+              <a:lnSpc>
+                <a:spcPct val="90000"/>
+              </a:lnSpc>
+            </a:pPr>
+            <a:r>
+              <a:rPr lang="pt-BR" sz="2200" dirty="0"/>
+              <a:t>Questões chave:</a:t>
+            </a:r>
+          </a:p>
+          <a:p>
+            <a:pPr lvl="1" fontAlgn="base">
+              <a:lnSpc>
+                <a:spcPct val="90000"/>
+              </a:lnSpc>
+            </a:pPr>
+            <a:r>
+              <a:rPr lang="pt-BR" sz="2200" dirty="0"/>
+              <a:t>Quais são os benefícios desta opção?</a:t>
+            </a:r>
+          </a:p>
+          <a:p>
+            <a:pPr lvl="1" fontAlgn="base">
+              <a:lnSpc>
+                <a:spcPct val="90000"/>
+              </a:lnSpc>
+            </a:pPr>
+            <a:r>
+              <a:rPr lang="pt-BR" sz="2200" dirty="0"/>
+              <a:t>Qual é a proposta preferida?</a:t>
+            </a:r>
+          </a:p>
+          <a:p>
+            <a:pPr lvl="1" fontAlgn="base">
+              <a:lnSpc>
+                <a:spcPct val="90000"/>
+              </a:lnSpc>
+            </a:pPr>
+            <a:r>
+              <a:rPr lang="pt-BR" sz="2200" dirty="0"/>
+              <a:t>Quais são os elementos positivos deste design?</a:t>
+            </a:r>
+          </a:p>
+          <a:p>
+            <a:pPr lvl="1" fontAlgn="base">
+              <a:lnSpc>
+                <a:spcPct val="90000"/>
+              </a:lnSpc>
+            </a:pPr>
+            <a:r>
+              <a:rPr lang="pt-BR" sz="2200" dirty="0"/>
+              <a:t>Como podemos fazer isto funcionar?</a:t>
+            </a:r>
+          </a:p>
+          <a:p>
+            <a:pPr fontAlgn="base">
+              <a:lnSpc>
+                <a:spcPct val="90000"/>
+              </a:lnSpc>
+            </a:pPr>
+            <a:r>
+              <a:rPr lang="pt-BR" sz="2200" dirty="0"/>
+              <a:t>Este chapéu nos conduz a busca deliberada pelo positivo. Os benefícios nem sempre são imediatamente óbvios e precisam ser buscados. Toda ideia criativa merece uma atenção deste chapéu amarelo.</a:t>
+            </a:r>
+          </a:p>
+        </p:txBody>
+      </p:sp>
     </p:spTree>
     <p:extLst>
       <p:ext uri="{BB962C8B-B14F-4D97-AF65-F5344CB8AC3E}">
@@ -14361,13 +14483,13 @@
         </p:nvSpPr>
         <p:spPr>
           <a:xfrm>
-            <a:off x="4325696" y="733647"/>
-            <a:ext cx="6593129" cy="3575884"/>
+            <a:off x="4255358" y="1465167"/>
+            <a:ext cx="7420827" cy="3575884"/>
           </a:xfrm>
         </p:spPr>
         <p:txBody>
           <a:bodyPr>
-            <a:normAutofit/>
+            <a:noAutofit/>
           </a:bodyPr>
           <a:lstStyle/>
           <a:p>
@@ -14376,7 +14498,7 @@
                 <a:spcPct val="90000"/>
               </a:lnSpc>
             </a:pPr>
-            <a:endParaRPr lang="pt-BR" sz="1500"/>
+            <a:endParaRPr lang="pt-BR" sz="2200" dirty="0"/>
           </a:p>
           <a:p>
             <a:pPr>
@@ -14385,11 +14507,11 @@
               </a:lnSpc>
             </a:pPr>
             <a:r>
-              <a:rPr lang="pt-BR" sz="1500" b="1"/>
+              <a:rPr lang="pt-BR" sz="2200" b="1" dirty="0"/>
               <a:t>Chapéu Verde: </a:t>
             </a:r>
             <a:r>
-              <a:rPr lang="pt-BR" sz="1500"/>
+              <a:rPr lang="pt-BR" sz="2200" dirty="0"/>
               <a:t>Este chapéu destina-se à criatividade. É aqui que pode desenvolver soluções criativas para um problema. É uma maneira exuberante de pensar, onde há poucas críticas às ideias apresentadas. </a:t>
             </a:r>
           </a:p>
@@ -14400,7 +14522,7 @@
               </a:lnSpc>
             </a:pPr>
             <a:r>
-              <a:rPr lang="pt-BR" sz="1500"/>
+              <a:rPr lang="pt-BR" sz="2200" dirty="0"/>
               <a:t>Questões típicas incluem:</a:t>
             </a:r>
           </a:p>
@@ -14411,7 +14533,7 @@
               </a:lnSpc>
             </a:pPr>
             <a:r>
-              <a:rPr lang="pt-BR" sz="1500"/>
+              <a:rPr lang="pt-BR" sz="2200" dirty="0"/>
               <a:t>Temos alguma outra ideia aqui?</a:t>
             </a:r>
           </a:p>
@@ -14422,7 +14544,7 @@
               </a:lnSpc>
             </a:pPr>
             <a:r>
-              <a:rPr lang="pt-BR" sz="1500"/>
+              <a:rPr lang="pt-BR" sz="2200" dirty="0"/>
               <a:t>Temos alternativas adicionais?</a:t>
             </a:r>
           </a:p>
@@ -14433,7 +14555,7 @@
               </a:lnSpc>
             </a:pPr>
             <a:r>
-              <a:rPr lang="pt-BR" sz="1500"/>
+              <a:rPr lang="pt-BR" sz="2200" dirty="0"/>
               <a:t>Podemos fazer isto de outra forma?</a:t>
             </a:r>
           </a:p>
@@ -14444,7 +14566,7 @@
               </a:lnSpc>
             </a:pPr>
             <a:r>
-              <a:rPr lang="pt-BR" sz="1500"/>
+              <a:rPr lang="pt-BR" sz="2200" dirty="0"/>
               <a:t>Pode haver outra explicação?</a:t>
             </a:r>
           </a:p>
@@ -14454,7 +14576,7 @@
                 <a:spcPct val="90000"/>
               </a:lnSpc>
             </a:pPr>
-            <a:endParaRPr lang="pt-BR" sz="1500"/>
+            <a:endParaRPr lang="pt-BR" sz="2200" dirty="0"/>
           </a:p>
           <a:p>
             <a:pPr>
@@ -14462,7 +14584,7 @@
                 <a:spcPct val="90000"/>
               </a:lnSpc>
             </a:pPr>
-            <a:endParaRPr lang="pt-BR" sz="1500"/>
+            <a:endParaRPr lang="pt-BR" sz="2200" dirty="0"/>
           </a:p>
         </p:txBody>
       </p:sp>
@@ -14571,7 +14693,7 @@
         </p:blipFill>
         <p:spPr bwMode="auto">
           <a:xfrm>
-            <a:off x="1502678" y="724930"/>
+            <a:off x="684212" y="578367"/>
             <a:ext cx="1762232" cy="3584601"/>
           </a:xfrm>
           <a:prstGeom prst="rect">
@@ -14608,13 +14730,13 @@
         </p:nvSpPr>
         <p:spPr>
           <a:xfrm>
-            <a:off x="4325696" y="733647"/>
-            <a:ext cx="6593129" cy="3575884"/>
+            <a:off x="4115096" y="2041943"/>
+            <a:ext cx="7392692" cy="3575884"/>
           </a:xfrm>
         </p:spPr>
         <p:txBody>
           <a:bodyPr>
-            <a:normAutofit/>
+            <a:noAutofit/>
           </a:bodyPr>
           <a:lstStyle/>
           <a:p>
@@ -14623,7 +14745,7 @@
                 <a:spcPct val="90000"/>
               </a:lnSpc>
             </a:pPr>
-            <a:endParaRPr lang="pt-BR" sz="1300"/>
+            <a:endParaRPr lang="pt-BR" sz="2200" dirty="0"/>
           </a:p>
           <a:p>
             <a:pPr>
@@ -14632,11 +14754,11 @@
               </a:lnSpc>
             </a:pPr>
             <a:r>
-              <a:rPr lang="pt-BR" sz="1300" b="1"/>
+              <a:rPr lang="pt-BR" sz="2200" b="1" dirty="0"/>
               <a:t>Chapéu Azul: </a:t>
             </a:r>
             <a:r>
-              <a:rPr lang="pt-BR" sz="1300"/>
+              <a:rPr lang="pt-BR" sz="2200" dirty="0"/>
               <a:t>Este chapéu representa o controle do processo. Habitualmente este chapéu é utilizado pela pessoa que preside à reunião. Quando se depara com dificuldades devido à falta de ideias, ele pode dirigir a atividade para o Chapéu do Pensamento Verde. Quando são necessários planos de contingência, ele pode pedir opinião ao Chapéu do Pensamento Preto, etc.</a:t>
             </a:r>
           </a:p>
@@ -14647,7 +14769,7 @@
               </a:lnSpc>
             </a:pPr>
             <a:r>
-              <a:rPr lang="pt-BR" sz="1300"/>
+              <a:rPr lang="pt-BR" sz="2200" dirty="0"/>
               <a:t>Ao usá-lo devemos:</a:t>
             </a:r>
           </a:p>
@@ -14658,7 +14780,7 @@
               </a:lnSpc>
             </a:pPr>
             <a:r>
-              <a:rPr lang="pt-BR" sz="1300"/>
+              <a:rPr lang="pt-BR" sz="2200" dirty="0"/>
               <a:t>Não pensar diretamente sobre o assunto, mas sobre o “pensar” sobre o assunto.</a:t>
             </a:r>
           </a:p>
@@ -14669,7 +14791,7 @@
               </a:lnSpc>
             </a:pPr>
             <a:r>
-              <a:rPr lang="pt-BR" sz="1300"/>
+              <a:rPr lang="pt-BR" sz="2200" dirty="0"/>
               <a:t>Definir a agenda para pensar.</a:t>
             </a:r>
           </a:p>
@@ -14680,7 +14802,7 @@
               </a:lnSpc>
             </a:pPr>
             <a:r>
-              <a:rPr lang="pt-BR" sz="1300"/>
+              <a:rPr lang="pt-BR" sz="2200" dirty="0"/>
               <a:t>Sugerir o próximo passo na sequência de chapéus/pensar.</a:t>
             </a:r>
           </a:p>
@@ -14691,7 +14813,7 @@
               </a:lnSpc>
             </a:pPr>
             <a:r>
-              <a:rPr lang="pt-BR" sz="1300"/>
+              <a:rPr lang="pt-BR" sz="2200" dirty="0"/>
               <a:t>Solicitar resumo, conclusão ou decisão.</a:t>
             </a:r>
           </a:p>
@@ -14701,7 +14823,7 @@
                 <a:spcPct val="90000"/>
               </a:lnSpc>
             </a:pPr>
-            <a:endParaRPr lang="pt-BR" sz="1300"/>
+            <a:endParaRPr lang="pt-BR" sz="2200" dirty="0"/>
           </a:p>
           <a:p>
             <a:pPr>
@@ -14709,7 +14831,7 @@
                 <a:spcPct val="90000"/>
               </a:lnSpc>
             </a:pPr>
-            <a:endParaRPr lang="pt-BR" sz="1300"/>
+            <a:endParaRPr lang="pt-BR" sz="2200" dirty="0"/>
           </a:p>
           <a:p>
             <a:pPr>
@@ -14717,7 +14839,7 @@
                 <a:spcPct val="90000"/>
               </a:lnSpc>
             </a:pPr>
-            <a:endParaRPr lang="pt-BR" sz="1300"/>
+            <a:endParaRPr lang="pt-BR" sz="2200" dirty="0"/>
           </a:p>
         </p:txBody>
       </p:sp>
@@ -14932,13 +15054,13 @@
         </p:nvSpPr>
         <p:spPr>
           <a:xfrm>
-            <a:off x="4979962" y="685799"/>
+            <a:off x="5057801" y="982980"/>
             <a:ext cx="6288260" cy="4892040"/>
           </a:xfrm>
         </p:spPr>
         <p:txBody>
           <a:bodyPr>
-            <a:normAutofit/>
+            <a:noAutofit/>
           </a:bodyPr>
           <a:lstStyle/>
           <a:p>
@@ -14948,7 +15070,7 @@
               </a:lnSpc>
             </a:pPr>
             <a:r>
-              <a:rPr lang="pt-BR" sz="1700">
+              <a:rPr lang="pt-BR" sz="2200" dirty="0">
                 <a:solidFill>
                   <a:schemeClr val="tx1"/>
                 </a:solidFill>
@@ -14963,7 +15085,7 @@
               </a:lnSpc>
             </a:pPr>
             <a:r>
-              <a:rPr lang="pt-BR" sz="1700">
+              <a:rPr lang="pt-BR" sz="2200" dirty="0">
                 <a:solidFill>
                   <a:schemeClr val="tx1"/>
                 </a:solidFill>
@@ -14978,7 +15100,7 @@
               </a:lnSpc>
             </a:pPr>
             <a:r>
-              <a:rPr lang="pt-BR" sz="1700">
+              <a:rPr lang="pt-BR" sz="2200" dirty="0">
                 <a:solidFill>
                   <a:schemeClr val="tx1"/>
                 </a:solidFill>
@@ -14993,7 +15115,7 @@
               </a:lnSpc>
             </a:pPr>
             <a:r>
-              <a:rPr lang="pt-BR" sz="1700">
+              <a:rPr lang="pt-BR" sz="2200" dirty="0">
                 <a:solidFill>
                   <a:schemeClr val="tx1"/>
                 </a:solidFill>
@@ -15007,7 +15129,7 @@
                 <a:spcPct val="90000"/>
               </a:lnSpc>
             </a:pPr>
-            <a:endParaRPr lang="pt-BR" sz="1700">
+            <a:endParaRPr lang="pt-BR" sz="2200" dirty="0">
               <a:solidFill>
                 <a:schemeClr val="tx1"/>
               </a:solidFill>
@@ -15227,13 +15349,13 @@
         </p:nvSpPr>
         <p:spPr>
           <a:xfrm>
-            <a:off x="4979962" y="685799"/>
+            <a:off x="5057801" y="1164101"/>
             <a:ext cx="6288260" cy="4892040"/>
           </a:xfrm>
         </p:spPr>
         <p:txBody>
           <a:bodyPr>
-            <a:normAutofit/>
+            <a:noAutofit/>
           </a:bodyPr>
           <a:lstStyle/>
           <a:p>
@@ -15243,7 +15365,7 @@
               </a:lnSpc>
             </a:pPr>
             <a:r>
-              <a:rPr lang="pt-BR">
+              <a:rPr lang="pt-BR" sz="2200" dirty="0">
                 <a:solidFill>
                   <a:schemeClr val="tx1"/>
                 </a:solidFill>
@@ -15258,7 +15380,7 @@
               </a:lnSpc>
             </a:pPr>
             <a:r>
-              <a:rPr lang="pt-BR">
+              <a:rPr lang="pt-BR" sz="2200" dirty="0">
                 <a:solidFill>
                   <a:schemeClr val="tx1"/>
                 </a:solidFill>
@@ -15273,7 +15395,7 @@
               </a:lnSpc>
             </a:pPr>
             <a:r>
-              <a:rPr lang="pt-BR">
+              <a:rPr lang="pt-BR" sz="2200" dirty="0">
                 <a:solidFill>
                   <a:schemeClr val="tx1"/>
                 </a:solidFill>
@@ -15288,7 +15410,7 @@
               </a:lnSpc>
             </a:pPr>
             <a:r>
-              <a:rPr lang="pt-BR">
+              <a:rPr lang="pt-BR" sz="2200" dirty="0">
                 <a:solidFill>
                   <a:schemeClr val="tx1"/>
                 </a:solidFill>
@@ -15302,7 +15424,7 @@
                 <a:spcPct val="90000"/>
               </a:lnSpc>
             </a:pPr>
-            <a:endParaRPr lang="pt-BR">
+            <a:endParaRPr lang="pt-BR" sz="2200" dirty="0">
               <a:solidFill>
                 <a:schemeClr val="tx1"/>
               </a:solidFill>
@@ -15314,7 +15436,7 @@
                 <a:spcPct val="90000"/>
               </a:lnSpc>
             </a:pPr>
-            <a:endParaRPr lang="pt-BR">
+            <a:endParaRPr lang="pt-BR" sz="2200" dirty="0">
               <a:solidFill>
                 <a:schemeClr val="tx1"/>
               </a:solidFill>
@@ -15534,13 +15656,13 @@
         </p:nvSpPr>
         <p:spPr>
           <a:xfrm>
-            <a:off x="4979962" y="685799"/>
-            <a:ext cx="6288260" cy="4892040"/>
+            <a:off x="5115535" y="1390943"/>
+            <a:ext cx="6716855" cy="4892040"/>
           </a:xfrm>
         </p:spPr>
         <p:txBody>
           <a:bodyPr>
-            <a:normAutofit/>
+            <a:noAutofit/>
           </a:bodyPr>
           <a:lstStyle/>
           <a:p>
@@ -15550,7 +15672,7 @@
               </a:lnSpc>
             </a:pPr>
             <a:r>
-              <a:rPr lang="pt-BR" sz="1500">
+              <a:rPr lang="pt-BR" sz="2200" dirty="0">
                 <a:solidFill>
                   <a:schemeClr val="tx1"/>
                 </a:solidFill>
@@ -15565,7 +15687,7 @@
               </a:lnSpc>
             </a:pPr>
             <a:r>
-              <a:rPr lang="pt-BR" sz="1500">
+              <a:rPr lang="pt-BR" sz="2200" dirty="0">
                 <a:solidFill>
                   <a:schemeClr val="tx1"/>
                 </a:solidFill>
@@ -15580,7 +15702,7 @@
               </a:lnSpc>
             </a:pPr>
             <a:r>
-              <a:rPr lang="pt-BR" sz="1500">
+              <a:rPr lang="pt-BR" sz="2200" dirty="0">
                 <a:solidFill>
                   <a:schemeClr val="tx1"/>
                 </a:solidFill>
@@ -15595,7 +15717,7 @@
               </a:lnSpc>
             </a:pPr>
             <a:r>
-              <a:rPr lang="pt-BR" sz="1500">
+              <a:rPr lang="pt-BR" sz="2200" dirty="0">
                 <a:solidFill>
                   <a:schemeClr val="tx1"/>
                 </a:solidFill>
@@ -15610,7 +15732,7 @@
               </a:lnSpc>
             </a:pPr>
             <a:r>
-              <a:rPr lang="pt-BR" sz="1500">
+              <a:rPr lang="pt-BR" sz="2200" dirty="0">
                 <a:solidFill>
                   <a:schemeClr val="tx1"/>
                 </a:solidFill>
@@ -15625,7 +15747,7 @@
               </a:lnSpc>
             </a:pPr>
             <a:r>
-              <a:rPr lang="pt-BR" sz="1500">
+              <a:rPr lang="pt-BR" sz="2200" dirty="0">
                 <a:solidFill>
                   <a:schemeClr val="tx1"/>
                 </a:solidFill>
@@ -15640,7 +15762,7 @@
               </a:lnSpc>
             </a:pPr>
             <a:r>
-              <a:rPr lang="pt-BR" sz="1500">
+              <a:rPr lang="pt-BR" sz="2200" dirty="0">
                 <a:solidFill>
                   <a:schemeClr val="tx1"/>
                 </a:solidFill>
@@ -15654,7 +15776,7 @@
                 <a:spcPct val="90000"/>
               </a:lnSpc>
             </a:pPr>
-            <a:endParaRPr lang="pt-BR" sz="1500">
+            <a:endParaRPr lang="pt-BR" sz="2200" dirty="0">
               <a:solidFill>
                 <a:schemeClr val="tx1"/>
               </a:solidFill>
@@ -15666,7 +15788,7 @@
                 <a:spcPct val="90000"/>
               </a:lnSpc>
             </a:pPr>
-            <a:endParaRPr lang="pt-BR" sz="1500">
+            <a:endParaRPr lang="pt-BR" sz="2200" dirty="0">
               <a:solidFill>
                 <a:schemeClr val="tx1"/>
               </a:solidFill>
@@ -15897,7 +16019,7 @@
           <a:lstStyle/>
           <a:p>
             <a:r>
-              <a:rPr lang="pt-BR">
+              <a:rPr lang="pt-BR" sz="2200" dirty="0">
                 <a:solidFill>
                   <a:schemeClr val="tx1"/>
                 </a:solidFill>
@@ -15907,7 +16029,7 @@
           </a:p>
           <a:p>
             <a:r>
-              <a:rPr lang="pt-BR">
+              <a:rPr lang="pt-BR" sz="2200" dirty="0">
                 <a:solidFill>
                   <a:schemeClr val="tx1"/>
                 </a:solidFill>
@@ -15916,14 +16038,14 @@
             </a:r>
           </a:p>
           <a:p>
-            <a:endParaRPr lang="pt-BR">
+            <a:endParaRPr lang="pt-BR" sz="2200" dirty="0">
               <a:solidFill>
                 <a:schemeClr val="tx1"/>
               </a:solidFill>
             </a:endParaRPr>
           </a:p>
           <a:p>
-            <a:endParaRPr lang="pt-BR">
+            <a:endParaRPr lang="pt-BR" sz="2200" dirty="0">
               <a:solidFill>
                 <a:schemeClr val="tx1"/>
               </a:solidFill>
@@ -16001,21 +16123,21 @@
           <a:lstStyle/>
           <a:p>
             <a:r>
-              <a:rPr lang="pt-BR" dirty="0"/>
+              <a:rPr lang="pt-BR" sz="2200" dirty="0"/>
               <a:t>Utilize a técnica dos seis chapéus para validar as ideias relacionadas com personagens, cenários, fases, mecânicas de seu jogo.</a:t>
             </a:r>
           </a:p>
           <a:p>
             <a:r>
-              <a:rPr lang="pt-BR" dirty="0"/>
+              <a:rPr lang="pt-BR" sz="2200" dirty="0"/>
               <a:t>Ao termino da atividade o grupo deverá apresentar todo o material desenvolvido para a classe.</a:t>
             </a:r>
           </a:p>
           <a:p>
-            <a:endParaRPr lang="pt-BR" dirty="0"/>
-          </a:p>
-          <a:p>
-            <a:endParaRPr lang="pt-BR" dirty="0"/>
+            <a:endParaRPr lang="pt-BR" sz="2200" dirty="0"/>
+          </a:p>
+          <a:p>
+            <a:endParaRPr lang="pt-BR" sz="2200" dirty="0"/>
           </a:p>
         </p:txBody>
       </p:sp>
@@ -16059,7 +16181,12 @@
             <p:ph type="title"/>
           </p:nvPr>
         </p:nvSpPr>
-        <p:spPr/>
+        <p:spPr>
+          <a:xfrm>
+            <a:off x="684212" y="4867156"/>
+            <a:ext cx="8534400" cy="1507067"/>
+          </a:xfrm>
+        </p:spPr>
         <p:txBody>
           <a:bodyPr/>
           <a:lstStyle/>
@@ -16081,10 +16208,15 @@
             <p:ph idx="1"/>
           </p:nvPr>
         </p:nvSpPr>
-        <p:spPr/>
+        <p:spPr>
+          <a:xfrm>
+            <a:off x="684212" y="1065624"/>
+            <a:ext cx="8534400" cy="3615267"/>
+          </a:xfrm>
+        </p:spPr>
         <p:txBody>
           <a:bodyPr>
-            <a:normAutofit fontScale="85000" lnSpcReduction="20000"/>
+            <a:noAutofit/>
           </a:bodyPr>
           <a:lstStyle/>
           <a:p>
